--- a/Slides/Map.pptx
+++ b/Slides/Map.pptx
@@ -8,7 +8,10 @@
     <p:sldId id="256" r:id="rId2"/>
     <p:sldId id="257" r:id="rId3"/>
     <p:sldId id="260" r:id="rId4"/>
-    <p:sldId id="259" r:id="rId5"/>
+    <p:sldId id="261" r:id="rId5"/>
+    <p:sldId id="263" r:id="rId6"/>
+    <p:sldId id="262" r:id="rId7"/>
+    <p:sldId id="259" r:id="rId8"/>
   </p:sldIdLst>
   <p:sldSz cx="12192000" cy="6858000"/>
   <p:notesSz cx="6858000" cy="9144000"/>
@@ -115,6 +118,9 @@
             <p14:sldId id="256"/>
             <p14:sldId id="257"/>
             <p14:sldId id="260"/>
+            <p14:sldId id="261"/>
+            <p14:sldId id="263"/>
+            <p14:sldId id="262"/>
             <p14:sldId id="259"/>
           </p14:sldIdLst>
         </p14:section>
@@ -2474,7 +2480,7 @@
           <a:p>
             <a:fld id="{3C04E684-10F4-4CC3-A0B9-F03AA7BE37CF}" type="datetimeFigureOut">
               <a:rPr lang="en-US" smtClean="0"/>
-              <a:t>1/3/2021</a:t>
+              <a:t>2/14/2021</a:t>
             </a:fld>
             <a:endParaRPr lang="en-US"/>
           </a:p>
@@ -4964,7 +4970,7 @@
           <a:p>
             <a:fld id="{3C04E684-10F4-4CC3-A0B9-F03AA7BE37CF}" type="datetimeFigureOut">
               <a:rPr lang="en-US" smtClean="0"/>
-              <a:t>1/3/2021</a:t>
+              <a:t>2/14/2021</a:t>
             </a:fld>
             <a:endParaRPr lang="en-US"/>
           </a:p>
@@ -5162,7 +5168,7 @@
           <a:p>
             <a:fld id="{3C04E684-10F4-4CC3-A0B9-F03AA7BE37CF}" type="datetimeFigureOut">
               <a:rPr lang="en-US" smtClean="0"/>
-              <a:t>1/3/2021</a:t>
+              <a:t>2/14/2021</a:t>
             </a:fld>
             <a:endParaRPr lang="en-US"/>
           </a:p>
@@ -5370,7 +5376,7 @@
           <a:p>
             <a:fld id="{3C04E684-10F4-4CC3-A0B9-F03AA7BE37CF}" type="datetimeFigureOut">
               <a:rPr lang="en-US" smtClean="0"/>
-              <a:t>1/3/2021</a:t>
+              <a:t>2/14/2021</a:t>
             </a:fld>
             <a:endParaRPr lang="en-US"/>
           </a:p>
@@ -6107,7 +6113,7 @@
           <a:p>
             <a:fld id="{3C04E684-10F4-4CC3-A0B9-F03AA7BE37CF}" type="datetimeFigureOut">
               <a:rPr lang="en-US" smtClean="0"/>
-              <a:t>1/3/2021</a:t>
+              <a:t>2/14/2021</a:t>
             </a:fld>
             <a:endParaRPr lang="en-US"/>
           </a:p>
@@ -6749,7 +6755,7 @@
           <a:p>
             <a:fld id="{3C04E684-10F4-4CC3-A0B9-F03AA7BE37CF}" type="datetimeFigureOut">
               <a:rPr lang="en-US" smtClean="0"/>
-              <a:t>1/3/2021</a:t>
+              <a:t>2/14/2021</a:t>
             </a:fld>
             <a:endParaRPr lang="en-US"/>
           </a:p>
@@ -7549,7 +7555,7 @@
           <a:p>
             <a:fld id="{3C04E684-10F4-4CC3-A0B9-F03AA7BE37CF}" type="datetimeFigureOut">
               <a:rPr lang="en-US" smtClean="0"/>
-              <a:t>1/3/2021</a:t>
+              <a:t>2/14/2021</a:t>
             </a:fld>
             <a:endParaRPr lang="en-US"/>
           </a:p>
@@ -8500,7 +8506,7 @@
           <a:p>
             <a:fld id="{3C04E684-10F4-4CC3-A0B9-F03AA7BE37CF}" type="datetimeFigureOut">
               <a:rPr lang="en-US" smtClean="0"/>
-              <a:t>1/3/2021</a:t>
+              <a:t>2/14/2021</a:t>
             </a:fld>
             <a:endParaRPr lang="en-US"/>
           </a:p>
@@ -10849,7 +10855,7 @@
           <a:p>
             <a:fld id="{3C04E684-10F4-4CC3-A0B9-F03AA7BE37CF}" type="datetimeFigureOut">
               <a:rPr lang="en-US" smtClean="0"/>
-              <a:t>1/3/2021</a:t>
+              <a:t>2/14/2021</a:t>
             </a:fld>
             <a:endParaRPr lang="en-US"/>
           </a:p>
@@ -10962,7 +10968,7 @@
           <a:p>
             <a:fld id="{3C04E684-10F4-4CC3-A0B9-F03AA7BE37CF}" type="datetimeFigureOut">
               <a:rPr lang="en-US" smtClean="0"/>
-              <a:t>1/3/2021</a:t>
+              <a:t>2/14/2021</a:t>
             </a:fld>
             <a:endParaRPr lang="en-US"/>
           </a:p>
@@ -11469,7 +11475,7 @@
           <a:p>
             <a:fld id="{3C04E684-10F4-4CC3-A0B9-F03AA7BE37CF}" type="datetimeFigureOut">
               <a:rPr lang="en-US" smtClean="0"/>
-              <a:t>1/3/2021</a:t>
+              <a:t>2/14/2021</a:t>
             </a:fld>
             <a:endParaRPr lang="en-US"/>
           </a:p>
@@ -12772,7 +12778,7 @@
           <a:p>
             <a:fld id="{3C04E684-10F4-4CC3-A0B9-F03AA7BE37CF}" type="datetimeFigureOut">
               <a:rPr lang="en-US" smtClean="0"/>
-              <a:t>1/3/2021</a:t>
+              <a:t>2/14/2021</a:t>
             </a:fld>
             <a:endParaRPr lang="en-US"/>
           </a:p>
@@ -13019,7 +13025,7 @@
           <a:p>
             <a:fld id="{3C04E684-10F4-4CC3-A0B9-F03AA7BE37CF}" type="datetimeFigureOut">
               <a:rPr lang="en-US" smtClean="0"/>
-              <a:t>1/3/2021</a:t>
+              <a:t>2/14/2021</a:t>
             </a:fld>
             <a:endParaRPr lang="en-US"/>
           </a:p>
@@ -14206,7 +14212,7 @@
           <a:p>
             <a:r>
               <a:rPr lang="en-US" altLang="zh-CN" dirty="0"/>
-              <a:t>Summary Map</a:t>
+              <a:t>Summary Map – Top-Down View</a:t>
             </a:r>
             <a:endParaRPr lang="en-SG" dirty="0"/>
           </a:p>
@@ -14214,10 +14220,118 @@
       </p:sp>
       <p:pic>
         <p:nvPicPr>
-          <p:cNvPr id="8" name="Content Placeholder 7">
+          <p:cNvPr id="1026" name="Picture 2">
             <a:extLst>
               <a:ext uri="{FF2B5EF4-FFF2-40B4-BE49-F238E27FC236}">
-                <a16:creationId xmlns:a16="http://schemas.microsoft.com/office/drawing/2014/main" id="{53A58412-DE95-4CC0-A75B-31AB1F4D13BA}"/>
+                <a16:creationId xmlns:a16="http://schemas.microsoft.com/office/drawing/2014/main" id="{FF0451F7-8F98-46EB-8F4D-A220E37BAC89}"/>
+              </a:ext>
+            </a:extLst>
+          </p:cNvPr>
+          <p:cNvPicPr>
+            <a:picLocks noGrp="1" noChangeAspect="1" noChangeArrowheads="1"/>
+          </p:cNvPicPr>
+          <p:nvPr>
+            <p:ph idx="1"/>
+          </p:nvPr>
+        </p:nvPicPr>
+        <p:blipFill>
+          <a:blip r:embed="rId2">
+            <a:extLst>
+              <a:ext uri="{28A0092B-C50C-407E-A947-70E740481C1C}">
+                <a14:useLocalDpi xmlns:a14="http://schemas.microsoft.com/office/drawing/2010/main" val="0"/>
+              </a:ext>
+            </a:extLst>
+          </a:blip>
+          <a:srcRect/>
+          <a:stretch>
+            <a:fillRect/>
+          </a:stretch>
+        </p:blipFill>
+        <p:spPr bwMode="auto">
+          <a:xfrm>
+            <a:off x="4299275" y="2011363"/>
+            <a:ext cx="3593450" cy="4160837"/>
+          </a:xfrm>
+          <a:prstGeom prst="rect">
+            <a:avLst/>
+          </a:prstGeom>
+          <a:noFill/>
+          <a:extLst>
+            <a:ext uri="{909E8E84-426E-40DD-AFC4-6F175D3DCCD1}">
+              <a14:hiddenFill xmlns:a14="http://schemas.microsoft.com/office/drawing/2010/main">
+                <a:solidFill>
+                  <a:srgbClr val="FFFFFF"/>
+                </a:solidFill>
+              </a14:hiddenFill>
+            </a:ext>
+          </a:extLst>
+        </p:spPr>
+      </p:pic>
+    </p:spTree>
+    <p:extLst>
+      <p:ext uri="{BB962C8B-B14F-4D97-AF65-F5344CB8AC3E}">
+        <p14:creationId xmlns:p14="http://schemas.microsoft.com/office/powerpoint/2010/main" val="1997784412"/>
+      </p:ext>
+    </p:extLst>
+  </p:cSld>
+  <p:clrMapOvr>
+    <a:masterClrMapping/>
+  </p:clrMapOvr>
+</p:sld>
+</file>
+
+<file path=ppt/slides/slide4.xml><?xml version="1.0" encoding="utf-8"?>
+<p:sld xmlns:a="http://schemas.openxmlformats.org/drawingml/2006/main" xmlns:r="http://schemas.openxmlformats.org/officeDocument/2006/relationships" xmlns:p="http://schemas.openxmlformats.org/presentationml/2006/main">
+  <p:cSld>
+    <p:spTree>
+      <p:nvGrpSpPr>
+        <p:cNvPr id="1" name=""/>
+        <p:cNvGrpSpPr/>
+        <p:nvPr/>
+      </p:nvGrpSpPr>
+      <p:grpSpPr>
+        <a:xfrm>
+          <a:off x="0" y="0"/>
+          <a:ext cx="0" cy="0"/>
+          <a:chOff x="0" y="0"/>
+          <a:chExt cx="0" cy="0"/>
+        </a:xfrm>
+      </p:grpSpPr>
+      <p:sp>
+        <p:nvSpPr>
+          <p:cNvPr id="2" name="Title 1">
+            <a:extLst>
+              <a:ext uri="{FF2B5EF4-FFF2-40B4-BE49-F238E27FC236}">
+                <a16:creationId xmlns:a16="http://schemas.microsoft.com/office/drawing/2014/main" id="{9B6B5FD3-0518-46AB-9481-5A897968865A}"/>
+              </a:ext>
+            </a:extLst>
+          </p:cNvPr>
+          <p:cNvSpPr>
+            <a:spLocks noGrp="1"/>
+          </p:cNvSpPr>
+          <p:nvPr>
+            <p:ph type="title"/>
+          </p:nvPr>
+        </p:nvSpPr>
+        <p:spPr/>
+        <p:txBody>
+          <a:bodyPr/>
+          <a:lstStyle/>
+          <a:p>
+            <a:r>
+              <a:rPr lang="en-US" altLang="zh-CN" dirty="0"/>
+              <a:t>Summary Map – Safety Gear (Top-Down)</a:t>
+            </a:r>
+            <a:endParaRPr lang="en-SG" dirty="0"/>
+          </a:p>
+        </p:txBody>
+      </p:sp>
+      <p:pic>
+        <p:nvPicPr>
+          <p:cNvPr id="5" name="Content Placeholder 4">
+            <a:extLst>
+              <a:ext uri="{FF2B5EF4-FFF2-40B4-BE49-F238E27FC236}">
+                <a16:creationId xmlns:a16="http://schemas.microsoft.com/office/drawing/2014/main" id="{2DB1B5AF-F805-47DD-B2C9-0B037868B5AB}"/>
               </a:ext>
             </a:extLst>
           </p:cNvPr>
@@ -14236,15 +14350,15 @@
         </p:blipFill>
         <p:spPr>
           <a:xfrm>
-            <a:off x="3222849" y="2011363"/>
-            <a:ext cx="5746301" cy="4160837"/>
+            <a:off x="4303509" y="2011363"/>
+            <a:ext cx="3584981" cy="4160837"/>
           </a:xfrm>
         </p:spPr>
       </p:pic>
     </p:spTree>
     <p:extLst>
       <p:ext uri="{BB962C8B-B14F-4D97-AF65-F5344CB8AC3E}">
-        <p14:creationId xmlns:p14="http://schemas.microsoft.com/office/powerpoint/2010/main" val="1997784412"/>
+        <p14:creationId xmlns:p14="http://schemas.microsoft.com/office/powerpoint/2010/main" val="153936306"/>
       </p:ext>
     </p:extLst>
   </p:cSld>
@@ -14254,7 +14368,183 @@
 </p:sld>
 </file>
 
-<file path=ppt/slides/slide4.xml><?xml version="1.0" encoding="utf-8"?>
+<file path=ppt/slides/slide5.xml><?xml version="1.0" encoding="utf-8"?>
+<p:sld xmlns:a="http://schemas.openxmlformats.org/drawingml/2006/main" xmlns:r="http://schemas.openxmlformats.org/officeDocument/2006/relationships" xmlns:p="http://schemas.openxmlformats.org/presentationml/2006/main">
+  <p:cSld>
+    <p:spTree>
+      <p:nvGrpSpPr>
+        <p:cNvPr id="1" name=""/>
+        <p:cNvGrpSpPr/>
+        <p:nvPr/>
+      </p:nvGrpSpPr>
+      <p:grpSpPr>
+        <a:xfrm>
+          <a:off x="0" y="0"/>
+          <a:ext cx="0" cy="0"/>
+          <a:chOff x="0" y="0"/>
+          <a:chExt cx="0" cy="0"/>
+        </a:xfrm>
+      </p:grpSpPr>
+      <p:sp>
+        <p:nvSpPr>
+          <p:cNvPr id="2" name="Title 1">
+            <a:extLst>
+              <a:ext uri="{FF2B5EF4-FFF2-40B4-BE49-F238E27FC236}">
+                <a16:creationId xmlns:a16="http://schemas.microsoft.com/office/drawing/2014/main" id="{9B6B5FD3-0518-46AB-9481-5A897968865A}"/>
+              </a:ext>
+            </a:extLst>
+          </p:cNvPr>
+          <p:cNvSpPr>
+            <a:spLocks noGrp="1"/>
+          </p:cNvSpPr>
+          <p:nvPr>
+            <p:ph type="title"/>
+          </p:nvPr>
+        </p:nvSpPr>
+        <p:spPr/>
+        <p:txBody>
+          <a:bodyPr/>
+          <a:lstStyle/>
+          <a:p>
+            <a:r>
+              <a:rPr lang="en-US" altLang="zh-CN" dirty="0"/>
+              <a:t>Summary Map – Fire Safety</a:t>
+            </a:r>
+            <a:endParaRPr lang="en-SG" dirty="0"/>
+          </a:p>
+        </p:txBody>
+      </p:sp>
+      <p:pic>
+        <p:nvPicPr>
+          <p:cNvPr id="5" name="Content Placeholder 4">
+            <a:extLst>
+              <a:ext uri="{FF2B5EF4-FFF2-40B4-BE49-F238E27FC236}">
+                <a16:creationId xmlns:a16="http://schemas.microsoft.com/office/drawing/2014/main" id="{5D65728D-D4D3-423D-A160-EB0D0B94093C}"/>
+              </a:ext>
+            </a:extLst>
+          </p:cNvPr>
+          <p:cNvPicPr>
+            <a:picLocks noGrp="1" noChangeAspect="1"/>
+          </p:cNvPicPr>
+          <p:nvPr>
+            <p:ph idx="1"/>
+          </p:nvPr>
+        </p:nvPicPr>
+        <p:blipFill>
+          <a:blip r:embed="rId2"/>
+          <a:stretch>
+            <a:fillRect/>
+          </a:stretch>
+        </p:blipFill>
+        <p:spPr>
+          <a:xfrm>
+            <a:off x="4303587" y="2011363"/>
+            <a:ext cx="3584825" cy="4160837"/>
+          </a:xfrm>
+        </p:spPr>
+      </p:pic>
+    </p:spTree>
+    <p:extLst>
+      <p:ext uri="{BB962C8B-B14F-4D97-AF65-F5344CB8AC3E}">
+        <p14:creationId xmlns:p14="http://schemas.microsoft.com/office/powerpoint/2010/main" val="160831231"/>
+      </p:ext>
+    </p:extLst>
+  </p:cSld>
+  <p:clrMapOvr>
+    <a:masterClrMapping/>
+  </p:clrMapOvr>
+</p:sld>
+</file>
+
+<file path=ppt/slides/slide6.xml><?xml version="1.0" encoding="utf-8"?>
+<p:sld xmlns:a="http://schemas.openxmlformats.org/drawingml/2006/main" xmlns:r="http://schemas.openxmlformats.org/officeDocument/2006/relationships" xmlns:p="http://schemas.openxmlformats.org/presentationml/2006/main">
+  <p:cSld>
+    <p:spTree>
+      <p:nvGrpSpPr>
+        <p:cNvPr id="1" name=""/>
+        <p:cNvGrpSpPr/>
+        <p:nvPr/>
+      </p:nvGrpSpPr>
+      <p:grpSpPr>
+        <a:xfrm>
+          <a:off x="0" y="0"/>
+          <a:ext cx="0" cy="0"/>
+          <a:chOff x="0" y="0"/>
+          <a:chExt cx="0" cy="0"/>
+        </a:xfrm>
+      </p:grpSpPr>
+      <p:sp>
+        <p:nvSpPr>
+          <p:cNvPr id="2" name="Title 1">
+            <a:extLst>
+              <a:ext uri="{FF2B5EF4-FFF2-40B4-BE49-F238E27FC236}">
+                <a16:creationId xmlns:a16="http://schemas.microsoft.com/office/drawing/2014/main" id="{9B6B5FD3-0518-46AB-9481-5A897968865A}"/>
+              </a:ext>
+            </a:extLst>
+          </p:cNvPr>
+          <p:cNvSpPr>
+            <a:spLocks noGrp="1"/>
+          </p:cNvSpPr>
+          <p:nvPr>
+            <p:ph type="title"/>
+          </p:nvPr>
+        </p:nvSpPr>
+        <p:spPr/>
+        <p:txBody>
+          <a:bodyPr/>
+          <a:lstStyle/>
+          <a:p>
+            <a:r>
+              <a:rPr lang="en-US" altLang="zh-CN" dirty="0"/>
+              <a:t>Summary Map – Gas Leak</a:t>
+            </a:r>
+            <a:endParaRPr lang="en-SG" dirty="0"/>
+          </a:p>
+        </p:txBody>
+      </p:sp>
+      <p:pic>
+        <p:nvPicPr>
+          <p:cNvPr id="5" name="Content Placeholder 4">
+            <a:extLst>
+              <a:ext uri="{FF2B5EF4-FFF2-40B4-BE49-F238E27FC236}">
+                <a16:creationId xmlns:a16="http://schemas.microsoft.com/office/drawing/2014/main" id="{10F2268D-6CA8-413C-9549-669EBAFB9CFD}"/>
+              </a:ext>
+            </a:extLst>
+          </p:cNvPr>
+          <p:cNvPicPr>
+            <a:picLocks noGrp="1" noChangeAspect="1"/>
+          </p:cNvPicPr>
+          <p:nvPr>
+            <p:ph idx="1"/>
+          </p:nvPr>
+        </p:nvPicPr>
+        <p:blipFill>
+          <a:blip r:embed="rId2"/>
+          <a:stretch>
+            <a:fillRect/>
+          </a:stretch>
+        </p:blipFill>
+        <p:spPr>
+          <a:xfrm>
+            <a:off x="4296353" y="2011363"/>
+            <a:ext cx="3599293" cy="4160837"/>
+          </a:xfrm>
+        </p:spPr>
+      </p:pic>
+    </p:spTree>
+    <p:extLst>
+      <p:ext uri="{BB962C8B-B14F-4D97-AF65-F5344CB8AC3E}">
+        <p14:creationId xmlns:p14="http://schemas.microsoft.com/office/powerpoint/2010/main" val="230490991"/>
+      </p:ext>
+    </p:extLst>
+  </p:cSld>
+  <p:clrMapOvr>
+    <a:masterClrMapping/>
+  </p:clrMapOvr>
+</p:sld>
+</file>
+
+<file path=ppt/slides/slide7.xml><?xml version="1.0" encoding="utf-8"?>
 <p:sld xmlns:a="http://schemas.openxmlformats.org/drawingml/2006/main" xmlns:r="http://schemas.openxmlformats.org/officeDocument/2006/relationships" xmlns:p="http://schemas.openxmlformats.org/presentationml/2006/main">
   <p:cSld>
     <p:bg>

--- a/Slides/Map.pptx
+++ b/Slides/Map.pptx
@@ -2480,7 +2480,7 @@
           <a:p>
             <a:fld id="{3C04E684-10F4-4CC3-A0B9-F03AA7BE37CF}" type="datetimeFigureOut">
               <a:rPr lang="en-US" smtClean="0"/>
-              <a:t>2/14/2021</a:t>
+              <a:t>2/15/2021</a:t>
             </a:fld>
             <a:endParaRPr lang="en-US"/>
           </a:p>
@@ -4970,7 +4970,7 @@
           <a:p>
             <a:fld id="{3C04E684-10F4-4CC3-A0B9-F03AA7BE37CF}" type="datetimeFigureOut">
               <a:rPr lang="en-US" smtClean="0"/>
-              <a:t>2/14/2021</a:t>
+              <a:t>2/15/2021</a:t>
             </a:fld>
             <a:endParaRPr lang="en-US"/>
           </a:p>
@@ -5168,7 +5168,7 @@
           <a:p>
             <a:fld id="{3C04E684-10F4-4CC3-A0B9-F03AA7BE37CF}" type="datetimeFigureOut">
               <a:rPr lang="en-US" smtClean="0"/>
-              <a:t>2/14/2021</a:t>
+              <a:t>2/15/2021</a:t>
             </a:fld>
             <a:endParaRPr lang="en-US"/>
           </a:p>
@@ -5376,7 +5376,7 @@
           <a:p>
             <a:fld id="{3C04E684-10F4-4CC3-A0B9-F03AA7BE37CF}" type="datetimeFigureOut">
               <a:rPr lang="en-US" smtClean="0"/>
-              <a:t>2/14/2021</a:t>
+              <a:t>2/15/2021</a:t>
             </a:fld>
             <a:endParaRPr lang="en-US"/>
           </a:p>
@@ -6113,7 +6113,7 @@
           <a:p>
             <a:fld id="{3C04E684-10F4-4CC3-A0B9-F03AA7BE37CF}" type="datetimeFigureOut">
               <a:rPr lang="en-US" smtClean="0"/>
-              <a:t>2/14/2021</a:t>
+              <a:t>2/15/2021</a:t>
             </a:fld>
             <a:endParaRPr lang="en-US"/>
           </a:p>
@@ -6755,7 +6755,7 @@
           <a:p>
             <a:fld id="{3C04E684-10F4-4CC3-A0B9-F03AA7BE37CF}" type="datetimeFigureOut">
               <a:rPr lang="en-US" smtClean="0"/>
-              <a:t>2/14/2021</a:t>
+              <a:t>2/15/2021</a:t>
             </a:fld>
             <a:endParaRPr lang="en-US"/>
           </a:p>
@@ -7555,7 +7555,7 @@
           <a:p>
             <a:fld id="{3C04E684-10F4-4CC3-A0B9-F03AA7BE37CF}" type="datetimeFigureOut">
               <a:rPr lang="en-US" smtClean="0"/>
-              <a:t>2/14/2021</a:t>
+              <a:t>2/15/2021</a:t>
             </a:fld>
             <a:endParaRPr lang="en-US"/>
           </a:p>
@@ -8506,7 +8506,7 @@
           <a:p>
             <a:fld id="{3C04E684-10F4-4CC3-A0B9-F03AA7BE37CF}" type="datetimeFigureOut">
               <a:rPr lang="en-US" smtClean="0"/>
-              <a:t>2/14/2021</a:t>
+              <a:t>2/15/2021</a:t>
             </a:fld>
             <a:endParaRPr lang="en-US"/>
           </a:p>
@@ -10855,7 +10855,7 @@
           <a:p>
             <a:fld id="{3C04E684-10F4-4CC3-A0B9-F03AA7BE37CF}" type="datetimeFigureOut">
               <a:rPr lang="en-US" smtClean="0"/>
-              <a:t>2/14/2021</a:t>
+              <a:t>2/15/2021</a:t>
             </a:fld>
             <a:endParaRPr lang="en-US"/>
           </a:p>
@@ -10968,7 +10968,7 @@
           <a:p>
             <a:fld id="{3C04E684-10F4-4CC3-A0B9-F03AA7BE37CF}" type="datetimeFigureOut">
               <a:rPr lang="en-US" smtClean="0"/>
-              <a:t>2/14/2021</a:t>
+              <a:t>2/15/2021</a:t>
             </a:fld>
             <a:endParaRPr lang="en-US"/>
           </a:p>
@@ -11475,7 +11475,7 @@
           <a:p>
             <a:fld id="{3C04E684-10F4-4CC3-A0B9-F03AA7BE37CF}" type="datetimeFigureOut">
               <a:rPr lang="en-US" smtClean="0"/>
-              <a:t>2/14/2021</a:t>
+              <a:t>2/15/2021</a:t>
             </a:fld>
             <a:endParaRPr lang="en-US"/>
           </a:p>
@@ -12778,7 +12778,7 @@
           <a:p>
             <a:fld id="{3C04E684-10F4-4CC3-A0B9-F03AA7BE37CF}" type="datetimeFigureOut">
               <a:rPr lang="en-US" smtClean="0"/>
-              <a:t>2/14/2021</a:t>
+              <a:t>2/15/2021</a:t>
             </a:fld>
             <a:endParaRPr lang="en-US"/>
           </a:p>
@@ -13025,7 +13025,7 @@
           <a:p>
             <a:fld id="{3C04E684-10F4-4CC3-A0B9-F03AA7BE37CF}" type="datetimeFigureOut">
               <a:rPr lang="en-US" smtClean="0"/>
-              <a:t>2/14/2021</a:t>
+              <a:t>2/15/2021</a:t>
             </a:fld>
             <a:endParaRPr lang="en-US"/>
           </a:p>
@@ -13542,7 +13542,7 @@
             <a:pPr algn="ctr"/>
             <a:r>
               <a:rPr lang="en-US"/>
-              <a:t>ISDT CA1</a:t>
+              <a:t>ISDT CA2</a:t>
             </a:r>
             <a:endParaRPr lang="en-SG" dirty="0"/>
           </a:p>

--- a/Slides/Map.pptx
+++ b/Slides/Map.pptx
@@ -2480,7 +2480,7 @@
           <a:p>
             <a:fld id="{3C04E684-10F4-4CC3-A0B9-F03AA7BE37CF}" type="datetimeFigureOut">
               <a:rPr lang="en-US" smtClean="0"/>
-              <a:t>2/15/2021</a:t>
+              <a:t>2/18/2021</a:t>
             </a:fld>
             <a:endParaRPr lang="en-US"/>
           </a:p>
@@ -4970,7 +4970,7 @@
           <a:p>
             <a:fld id="{3C04E684-10F4-4CC3-A0B9-F03AA7BE37CF}" type="datetimeFigureOut">
               <a:rPr lang="en-US" smtClean="0"/>
-              <a:t>2/15/2021</a:t>
+              <a:t>2/18/2021</a:t>
             </a:fld>
             <a:endParaRPr lang="en-US"/>
           </a:p>
@@ -5168,7 +5168,7 @@
           <a:p>
             <a:fld id="{3C04E684-10F4-4CC3-A0B9-F03AA7BE37CF}" type="datetimeFigureOut">
               <a:rPr lang="en-US" smtClean="0"/>
-              <a:t>2/15/2021</a:t>
+              <a:t>2/18/2021</a:t>
             </a:fld>
             <a:endParaRPr lang="en-US"/>
           </a:p>
@@ -5376,7 +5376,7 @@
           <a:p>
             <a:fld id="{3C04E684-10F4-4CC3-A0B9-F03AA7BE37CF}" type="datetimeFigureOut">
               <a:rPr lang="en-US" smtClean="0"/>
-              <a:t>2/15/2021</a:t>
+              <a:t>2/18/2021</a:t>
             </a:fld>
             <a:endParaRPr lang="en-US"/>
           </a:p>
@@ -6113,7 +6113,7 @@
           <a:p>
             <a:fld id="{3C04E684-10F4-4CC3-A0B9-F03AA7BE37CF}" type="datetimeFigureOut">
               <a:rPr lang="en-US" smtClean="0"/>
-              <a:t>2/15/2021</a:t>
+              <a:t>2/18/2021</a:t>
             </a:fld>
             <a:endParaRPr lang="en-US"/>
           </a:p>
@@ -6755,7 +6755,7 @@
           <a:p>
             <a:fld id="{3C04E684-10F4-4CC3-A0B9-F03AA7BE37CF}" type="datetimeFigureOut">
               <a:rPr lang="en-US" smtClean="0"/>
-              <a:t>2/15/2021</a:t>
+              <a:t>2/18/2021</a:t>
             </a:fld>
             <a:endParaRPr lang="en-US"/>
           </a:p>
@@ -7555,7 +7555,7 @@
           <a:p>
             <a:fld id="{3C04E684-10F4-4CC3-A0B9-F03AA7BE37CF}" type="datetimeFigureOut">
               <a:rPr lang="en-US" smtClean="0"/>
-              <a:t>2/15/2021</a:t>
+              <a:t>2/18/2021</a:t>
             </a:fld>
             <a:endParaRPr lang="en-US"/>
           </a:p>
@@ -8506,7 +8506,7 @@
           <a:p>
             <a:fld id="{3C04E684-10F4-4CC3-A0B9-F03AA7BE37CF}" type="datetimeFigureOut">
               <a:rPr lang="en-US" smtClean="0"/>
-              <a:t>2/15/2021</a:t>
+              <a:t>2/18/2021</a:t>
             </a:fld>
             <a:endParaRPr lang="en-US"/>
           </a:p>
@@ -10855,7 +10855,7 @@
           <a:p>
             <a:fld id="{3C04E684-10F4-4CC3-A0B9-F03AA7BE37CF}" type="datetimeFigureOut">
               <a:rPr lang="en-US" smtClean="0"/>
-              <a:t>2/15/2021</a:t>
+              <a:t>2/18/2021</a:t>
             </a:fld>
             <a:endParaRPr lang="en-US"/>
           </a:p>
@@ -10968,7 +10968,7 @@
           <a:p>
             <a:fld id="{3C04E684-10F4-4CC3-A0B9-F03AA7BE37CF}" type="datetimeFigureOut">
               <a:rPr lang="en-US" smtClean="0"/>
-              <a:t>2/15/2021</a:t>
+              <a:t>2/18/2021</a:t>
             </a:fld>
             <a:endParaRPr lang="en-US"/>
           </a:p>
@@ -11475,7 +11475,7 @@
           <a:p>
             <a:fld id="{3C04E684-10F4-4CC3-A0B9-F03AA7BE37CF}" type="datetimeFigureOut">
               <a:rPr lang="en-US" smtClean="0"/>
-              <a:t>2/15/2021</a:t>
+              <a:t>2/18/2021</a:t>
             </a:fld>
             <a:endParaRPr lang="en-US"/>
           </a:p>
@@ -12778,7 +12778,7 @@
           <a:p>
             <a:fld id="{3C04E684-10F4-4CC3-A0B9-F03AA7BE37CF}" type="datetimeFigureOut">
               <a:rPr lang="en-US" smtClean="0"/>
-              <a:t>2/15/2021</a:t>
+              <a:t>2/18/2021</a:t>
             </a:fld>
             <a:endParaRPr lang="en-US"/>
           </a:p>
@@ -13025,7 +13025,7 @@
           <a:p>
             <a:fld id="{3C04E684-10F4-4CC3-A0B9-F03AA7BE37CF}" type="datetimeFigureOut">
               <a:rPr lang="en-US" smtClean="0"/>
-              <a:t>2/15/2021</a:t>
+              <a:t>2/18/2021</a:t>
             </a:fld>
             <a:endParaRPr lang="en-US"/>
           </a:p>
@@ -14496,7 +14496,11 @@
           <a:p>
             <a:r>
               <a:rPr lang="en-US" altLang="zh-CN" dirty="0"/>
-              <a:t>Summary Map – Gas Leak</a:t>
+              <a:t>Summary Map </a:t>
+            </a:r>
+            <a:r>
+              <a:rPr lang="en-US" altLang="zh-CN"/>
+              <a:t>– Slip &amp; Trip</a:t>
             </a:r>
             <a:endParaRPr lang="en-SG" dirty="0"/>
           </a:p>
